--- a/設計書/ポスター.pptx
+++ b/設計書/ポスター.pptx
@@ -209,7 +209,7 @@
           <a:p>
             <a:fld id="{762DA641-7877-4845-9105-4B253D42E1DF}" type="datetimeFigureOut">
               <a:rPr kumimoji="1" lang="ja-JP" altLang="en-US" smtClean="0"/>
-              <a:t>2020/1/15</a:t>
+              <a:t>2020/1/16</a:t>
             </a:fld>
             <a:endParaRPr kumimoji="1" lang="ja-JP" altLang="en-US"/>
           </a:p>
@@ -640,7 +640,7 @@
           <a:p>
             <a:fld id="{8A322D5E-FA72-4974-A442-7F4C93F884D7}" type="datetimeFigureOut">
               <a:rPr kumimoji="1" lang="ja-JP" altLang="en-US" smtClean="0"/>
-              <a:t>2020/1/15</a:t>
+              <a:t>2020/1/16</a:t>
             </a:fld>
             <a:endParaRPr kumimoji="1" lang="ja-JP" altLang="en-US"/>
           </a:p>
@@ -842,7 +842,7 @@
           <a:p>
             <a:fld id="{8A322D5E-FA72-4974-A442-7F4C93F884D7}" type="datetimeFigureOut">
               <a:rPr kumimoji="1" lang="ja-JP" altLang="en-US" smtClean="0"/>
-              <a:t>2020/1/15</a:t>
+              <a:t>2020/1/16</a:t>
             </a:fld>
             <a:endParaRPr kumimoji="1" lang="ja-JP" altLang="en-US"/>
           </a:p>
@@ -1054,7 +1054,7 @@
           <a:p>
             <a:fld id="{8A322D5E-FA72-4974-A442-7F4C93F884D7}" type="datetimeFigureOut">
               <a:rPr kumimoji="1" lang="ja-JP" altLang="en-US" smtClean="0"/>
-              <a:t>2020/1/15</a:t>
+              <a:t>2020/1/16</a:t>
             </a:fld>
             <a:endParaRPr kumimoji="1" lang="ja-JP" altLang="en-US"/>
           </a:p>
@@ -1256,7 +1256,7 @@
           <a:p>
             <a:fld id="{8A322D5E-FA72-4974-A442-7F4C93F884D7}" type="datetimeFigureOut">
               <a:rPr kumimoji="1" lang="ja-JP" altLang="en-US" smtClean="0"/>
-              <a:t>2020/1/15</a:t>
+              <a:t>2020/1/16</a:t>
             </a:fld>
             <a:endParaRPr kumimoji="1" lang="ja-JP" altLang="en-US"/>
           </a:p>
@@ -1500,7 +1500,7 @@
           <a:p>
             <a:fld id="{8A322D5E-FA72-4974-A442-7F4C93F884D7}" type="datetimeFigureOut">
               <a:rPr kumimoji="1" lang="ja-JP" altLang="en-US" smtClean="0"/>
-              <a:t>2020/1/15</a:t>
+              <a:t>2020/1/16</a:t>
             </a:fld>
             <a:endParaRPr kumimoji="1" lang="ja-JP" altLang="en-US"/>
           </a:p>
@@ -1796,7 +1796,7 @@
           <a:p>
             <a:fld id="{8A322D5E-FA72-4974-A442-7F4C93F884D7}" type="datetimeFigureOut">
               <a:rPr kumimoji="1" lang="ja-JP" altLang="en-US" smtClean="0"/>
-              <a:t>2020/1/15</a:t>
+              <a:t>2020/1/16</a:t>
             </a:fld>
             <a:endParaRPr kumimoji="1" lang="ja-JP" altLang="en-US"/>
           </a:p>
@@ -2227,7 +2227,7 @@
           <a:p>
             <a:fld id="{8A322D5E-FA72-4974-A442-7F4C93F884D7}" type="datetimeFigureOut">
               <a:rPr kumimoji="1" lang="ja-JP" altLang="en-US" smtClean="0"/>
-              <a:t>2020/1/15</a:t>
+              <a:t>2020/1/16</a:t>
             </a:fld>
             <a:endParaRPr kumimoji="1" lang="ja-JP" altLang="en-US"/>
           </a:p>
@@ -2345,7 +2345,7 @@
           <a:p>
             <a:fld id="{8A322D5E-FA72-4974-A442-7F4C93F884D7}" type="datetimeFigureOut">
               <a:rPr kumimoji="1" lang="ja-JP" altLang="en-US" smtClean="0"/>
-              <a:t>2020/1/15</a:t>
+              <a:t>2020/1/16</a:t>
             </a:fld>
             <a:endParaRPr kumimoji="1" lang="ja-JP" altLang="en-US"/>
           </a:p>
@@ -2440,7 +2440,7 @@
           <a:p>
             <a:fld id="{8A322D5E-FA72-4974-A442-7F4C93F884D7}" type="datetimeFigureOut">
               <a:rPr kumimoji="1" lang="ja-JP" altLang="en-US" smtClean="0"/>
-              <a:t>2020/1/15</a:t>
+              <a:t>2020/1/16</a:t>
             </a:fld>
             <a:endParaRPr kumimoji="1" lang="ja-JP" altLang="en-US"/>
           </a:p>
@@ -2749,7 +2749,7 @@
           <a:p>
             <a:fld id="{8A322D5E-FA72-4974-A442-7F4C93F884D7}" type="datetimeFigureOut">
               <a:rPr kumimoji="1" lang="ja-JP" altLang="en-US" smtClean="0"/>
-              <a:t>2020/1/15</a:t>
+              <a:t>2020/1/16</a:t>
             </a:fld>
             <a:endParaRPr kumimoji="1" lang="ja-JP" altLang="en-US"/>
           </a:p>
@@ -3006,7 +3006,7 @@
           <a:p>
             <a:fld id="{8A322D5E-FA72-4974-A442-7F4C93F884D7}" type="datetimeFigureOut">
               <a:rPr kumimoji="1" lang="ja-JP" altLang="en-US" smtClean="0"/>
-              <a:t>2020/1/15</a:t>
+              <a:t>2020/1/16</a:t>
             </a:fld>
             <a:endParaRPr kumimoji="1" lang="ja-JP" altLang="en-US"/>
           </a:p>
@@ -3251,7 +3251,7 @@
           <a:p>
             <a:fld id="{8A322D5E-FA72-4974-A442-7F4C93F884D7}" type="datetimeFigureOut">
               <a:rPr kumimoji="1" lang="ja-JP" altLang="en-US" smtClean="0"/>
-              <a:t>2020/1/15</a:t>
+              <a:t>2020/1/16</a:t>
             </a:fld>
             <a:endParaRPr kumimoji="1" lang="ja-JP" altLang="en-US"/>
           </a:p>
@@ -3650,7 +3650,7 @@
             <a:lum/>
             <a:extLst>
               <a:ext uri="{837473B0-CC2E-450A-ABE3-18F120FF3D39}">
-                <a1611:picAttrSrcUrl xmlns:a1611="http://schemas.microsoft.com/office/drawing/2016/11/main" xmlns="" r:id="rId3"/>
+                <a1611:picAttrSrcUrl xmlns="" xmlns:a1611="http://schemas.microsoft.com/office/drawing/2016/11/main" r:id="rId3"/>
               </a:ext>
             </a:extLst>
           </a:blip>
@@ -4782,6 +4782,99 @@
           </a:effectLst>
         </p:spPr>
       </p:pic>
+      <p:sp>
+        <p:nvSpPr>
+          <p:cNvPr id="29" name="テキスト ボックス 28">
+            <a:extLst>
+              <a:ext uri="{FF2B5EF4-FFF2-40B4-BE49-F238E27FC236}">
+                <a16:creationId xmlns:a16="http://schemas.microsoft.com/office/drawing/2014/main" id="{2E7BCD19-509B-4072-80FC-4091C1F95EFA}"/>
+              </a:ext>
+            </a:extLst>
+          </p:cNvPr>
+          <p:cNvSpPr txBox="1"/>
+          <p:nvPr/>
+        </p:nvSpPr>
+        <p:spPr>
+          <a:xfrm>
+            <a:off x="52739" y="8745984"/>
+            <a:ext cx="5330305" cy="1200329"/>
+          </a:xfrm>
+          <a:prstGeom prst="rect">
+            <a:avLst/>
+          </a:prstGeom>
+          <a:noFill/>
+        </p:spPr>
+        <p:txBody>
+          <a:bodyPr wrap="none" rtlCol="0">
+            <a:spAutoFit/>
+          </a:bodyPr>
+          <a:lstStyle/>
+          <a:p>
+            <a:pPr>
+              <a:lnSpc>
+                <a:spcPct val="200000"/>
+              </a:lnSpc>
+            </a:pPr>
+            <a:r>
+              <a:rPr lang="ja-JP" altLang="en-US" dirty="0" smtClean="0">
+                <a:effectLst>
+                  <a:outerShdw blurRad="38100" dist="38100" dir="2700000" algn="tl">
+                    <a:srgbClr val="000000">
+                      <a:alpha val="43137"/>
+                    </a:srgbClr>
+                  </a:outerShdw>
+                </a:effectLst>
+                <a:latin typeface="HGP創英角ﾎﾟｯﾌﾟ体" panose="040B0A00000000000000" pitchFamily="50" charset="-128"/>
+                <a:ea typeface="HGP創英角ﾎﾟｯﾌﾟ体" panose="040B0A00000000000000" pitchFamily="50" charset="-128"/>
+              </a:rPr>
+              <a:t>専門学校穴吹コンピュータカレッジ</a:t>
+            </a:r>
+            <a:endParaRPr lang="en-US" altLang="ja-JP" dirty="0" smtClean="0">
+              <a:effectLst>
+                <a:outerShdw blurRad="38100" dist="38100" dir="2700000" algn="tl">
+                  <a:srgbClr val="000000">
+                    <a:alpha val="43137"/>
+                  </a:srgbClr>
+                </a:outerShdw>
+              </a:effectLst>
+              <a:latin typeface="HGP創英角ﾎﾟｯﾌﾟ体" panose="040B0A00000000000000" pitchFamily="50" charset="-128"/>
+              <a:ea typeface="HGP創英角ﾎﾟｯﾌﾟ体" panose="040B0A00000000000000" pitchFamily="50" charset="-128"/>
+            </a:endParaRPr>
+          </a:p>
+          <a:p>
+            <a:pPr>
+              <a:lnSpc>
+                <a:spcPct val="200000"/>
+              </a:lnSpc>
+            </a:pPr>
+            <a:r>
+              <a:rPr lang="ja-JP" altLang="en-US" dirty="0" smtClean="0">
+                <a:effectLst>
+                  <a:outerShdw blurRad="38100" dist="38100" dir="2700000" algn="tl">
+                    <a:srgbClr val="000000">
+                      <a:alpha val="43137"/>
+                    </a:srgbClr>
+                  </a:outerShdw>
+                </a:effectLst>
+                <a:latin typeface="HGP創英角ﾎﾟｯﾌﾟ体" panose="040B0A00000000000000" pitchFamily="50" charset="-128"/>
+                <a:ea typeface="HGP創英角ﾎﾟｯﾌﾟ体" panose="040B0A00000000000000" pitchFamily="50" charset="-128"/>
+              </a:rPr>
+              <a:t>トラベル製作チーム　　濱元　福田　山本　新川　桑原</a:t>
+            </a:r>
+            <a:endParaRPr lang="ja-JP" altLang="ja-JP" dirty="0">
+              <a:effectLst>
+                <a:outerShdw blurRad="38100" dist="38100" dir="2700000" algn="tl">
+                  <a:srgbClr val="000000">
+                    <a:alpha val="43137"/>
+                  </a:srgbClr>
+                </a:outerShdw>
+              </a:effectLst>
+              <a:latin typeface="HGP創英角ﾎﾟｯﾌﾟ体" panose="040B0A00000000000000" pitchFamily="50" charset="-128"/>
+              <a:ea typeface="HGP創英角ﾎﾟｯﾌﾟ体" panose="040B0A00000000000000" pitchFamily="50" charset="-128"/>
+            </a:endParaRPr>
+          </a:p>
+        </p:txBody>
+      </p:sp>
     </p:spTree>
     <p:extLst>
       <p:ext uri="{BB962C8B-B14F-4D97-AF65-F5344CB8AC3E}">
